--- a/Term 2/presentations/18 - Хранимые процедуры.pptx
+++ b/Term 2/presentations/18 - Хранимые процедуры.pptx
@@ -324,7 +324,7 @@
           <a:p>
             <a:fld id="{E232930E-A6FF-4322-BEEC-DAC651A9E567}" type="datetimeFigureOut">
               <a:rPr lang="ru-RU" smtClean="0"/>
-              <a:t>24.01.2022</a:t>
+              <a:t>28.03.2022</a:t>
             </a:fld>
             <a:endParaRPr lang="ru-RU"/>
           </a:p>
@@ -522,7 +522,7 @@
           <a:p>
             <a:fld id="{E232930E-A6FF-4322-BEEC-DAC651A9E567}" type="datetimeFigureOut">
               <a:rPr lang="ru-RU" smtClean="0"/>
-              <a:t>24.01.2022</a:t>
+              <a:t>28.03.2022</a:t>
             </a:fld>
             <a:endParaRPr lang="ru-RU"/>
           </a:p>
@@ -730,7 +730,7 @@
           <a:p>
             <a:fld id="{E232930E-A6FF-4322-BEEC-DAC651A9E567}" type="datetimeFigureOut">
               <a:rPr lang="ru-RU" smtClean="0"/>
-              <a:t>24.01.2022</a:t>
+              <a:t>28.03.2022</a:t>
             </a:fld>
             <a:endParaRPr lang="ru-RU"/>
           </a:p>
@@ -928,7 +928,7 @@
           <a:p>
             <a:fld id="{E232930E-A6FF-4322-BEEC-DAC651A9E567}" type="datetimeFigureOut">
               <a:rPr lang="ru-RU" smtClean="0"/>
-              <a:t>24.01.2022</a:t>
+              <a:t>28.03.2022</a:t>
             </a:fld>
             <a:endParaRPr lang="ru-RU"/>
           </a:p>
@@ -1203,7 +1203,7 @@
           <a:p>
             <a:fld id="{E232930E-A6FF-4322-BEEC-DAC651A9E567}" type="datetimeFigureOut">
               <a:rPr lang="ru-RU" smtClean="0"/>
-              <a:t>24.01.2022</a:t>
+              <a:t>28.03.2022</a:t>
             </a:fld>
             <a:endParaRPr lang="ru-RU"/>
           </a:p>
@@ -1468,7 +1468,7 @@
           <a:p>
             <a:fld id="{E232930E-A6FF-4322-BEEC-DAC651A9E567}" type="datetimeFigureOut">
               <a:rPr lang="ru-RU" smtClean="0"/>
-              <a:t>24.01.2022</a:t>
+              <a:t>28.03.2022</a:t>
             </a:fld>
             <a:endParaRPr lang="ru-RU"/>
           </a:p>
@@ -1880,7 +1880,7 @@
           <a:p>
             <a:fld id="{E232930E-A6FF-4322-BEEC-DAC651A9E567}" type="datetimeFigureOut">
               <a:rPr lang="ru-RU" smtClean="0"/>
-              <a:t>24.01.2022</a:t>
+              <a:t>28.03.2022</a:t>
             </a:fld>
             <a:endParaRPr lang="ru-RU"/>
           </a:p>
@@ -2021,7 +2021,7 @@
           <a:p>
             <a:fld id="{E232930E-A6FF-4322-BEEC-DAC651A9E567}" type="datetimeFigureOut">
               <a:rPr lang="ru-RU" smtClean="0"/>
-              <a:t>24.01.2022</a:t>
+              <a:t>28.03.2022</a:t>
             </a:fld>
             <a:endParaRPr lang="ru-RU"/>
           </a:p>
@@ -2134,7 +2134,7 @@
           <a:p>
             <a:fld id="{E232930E-A6FF-4322-BEEC-DAC651A9E567}" type="datetimeFigureOut">
               <a:rPr lang="ru-RU" smtClean="0"/>
-              <a:t>24.01.2022</a:t>
+              <a:t>28.03.2022</a:t>
             </a:fld>
             <a:endParaRPr lang="ru-RU"/>
           </a:p>
@@ -2445,7 +2445,7 @@
           <a:p>
             <a:fld id="{E232930E-A6FF-4322-BEEC-DAC651A9E567}" type="datetimeFigureOut">
               <a:rPr lang="ru-RU" smtClean="0"/>
-              <a:t>24.01.2022</a:t>
+              <a:t>28.03.2022</a:t>
             </a:fld>
             <a:endParaRPr lang="ru-RU"/>
           </a:p>
@@ -2733,7 +2733,7 @@
           <a:p>
             <a:fld id="{E232930E-A6FF-4322-BEEC-DAC651A9E567}" type="datetimeFigureOut">
               <a:rPr lang="ru-RU" smtClean="0"/>
-              <a:t>24.01.2022</a:t>
+              <a:t>28.03.2022</a:t>
             </a:fld>
             <a:endParaRPr lang="ru-RU"/>
           </a:p>
@@ -2974,7 +2974,7 @@
           <a:p>
             <a:fld id="{E232930E-A6FF-4322-BEEC-DAC651A9E567}" type="datetimeFigureOut">
               <a:rPr lang="ru-RU" smtClean="0"/>
-              <a:t>24.01.2022</a:t>
+              <a:t>28.03.2022</a:t>
             </a:fld>
             <a:endParaRPr lang="ru-RU"/>
           </a:p>
@@ -8953,9 +8953,16 @@
             <p:ph type="title"/>
           </p:nvPr>
         </p:nvSpPr>
-        <p:spPr/>
+        <p:spPr>
+          <a:xfrm>
+            <a:off x="838200" y="134013"/>
+            <a:ext cx="10515600" cy="810531"/>
+          </a:xfrm>
+        </p:spPr>
         <p:txBody>
-          <a:bodyPr/>
+          <a:bodyPr>
+            <a:normAutofit/>
+          </a:bodyPr>
           <a:lstStyle/>
           <a:p>
             <a:pPr algn="ctr"/>
@@ -8985,8 +8992,8 @@
         </p:nvSpPr>
         <p:spPr>
           <a:xfrm>
-            <a:off x="3120093" y="1760547"/>
-            <a:ext cx="5951814" cy="4524315"/>
+            <a:off x="3120092" y="944545"/>
+            <a:ext cx="6586615" cy="4524315"/>
           </a:xfrm>
           <a:prstGeom prst="rect">
             <a:avLst/>
@@ -12415,21 +12422,6 @@
 </file>
 
 <file path=customXml/item1.xml><?xml version="1.0" encoding="utf-8"?>
-<?mso-contentType ?>
-<FormTemplates xmlns="http://schemas.microsoft.com/sharepoint/v3/contenttype/forms">
-  <Display>DocumentLibraryForm</Display>
-  <Edit>DocumentLibraryForm</Edit>
-  <New>DocumentLibraryForm</New>
-</FormTemplates>
-</file>
-
-<file path=customXml/item2.xml><?xml version="1.0" encoding="utf-8"?>
-<p:properties xmlns:p="http://schemas.microsoft.com/office/2006/metadata/properties" xmlns:xsi="http://www.w3.org/2001/XMLSchema-instance" xmlns:pc="http://schemas.microsoft.com/office/infopath/2007/PartnerControls">
-  <documentManagement/>
-</p:properties>
-</file>
-
-<file path=customXml/item3.xml><?xml version="1.0" encoding="utf-8"?>
 <ct:contentTypeSchema xmlns:ct="http://schemas.microsoft.com/office/2006/metadata/contentType" xmlns:ma="http://schemas.microsoft.com/office/2006/metadata/properties/metaAttributes" ct:_="" ma:_="" ma:contentTypeName="Документ" ma:contentTypeID="0x01010042CC9B991CE44B48B840C48F4E14C738" ma:contentTypeVersion="11" ma:contentTypeDescription="Создание документа." ma:contentTypeScope="" ma:versionID="c229767ce3b8782a8e135421238a08f7">
   <xsd:schema xmlns:xsd="http://www.w3.org/2001/XMLSchema" xmlns:xs="http://www.w3.org/2001/XMLSchema" xmlns:p="http://schemas.microsoft.com/office/2006/metadata/properties" xmlns:ns3="20895bc8-be02-42ca-8ca1-36e50731b469" xmlns:ns4="e85ba575-3eae-4c7e-b3f1-323868c4ce13" targetNamespace="http://schemas.microsoft.com/office/2006/metadata/properties" ma:root="true" ma:fieldsID="8f067912acd794335a3d7d083cfe6a8d" ns3:_="" ns4:_="">
     <xsd:import namespace="20895bc8-be02-42ca-8ca1-36e50731b469"/>
@@ -12638,10 +12630,36 @@
 </ct:contentTypeSchema>
 </file>
 
+<file path=customXml/item2.xml><?xml version="1.0" encoding="utf-8"?>
+<p:properties xmlns:p="http://schemas.microsoft.com/office/2006/metadata/properties" xmlns:xsi="http://www.w3.org/2001/XMLSchema-instance" xmlns:pc="http://schemas.microsoft.com/office/infopath/2007/PartnerControls">
+  <documentManagement/>
+</p:properties>
+</file>
+
+<file path=customXml/item3.xml><?xml version="1.0" encoding="utf-8"?>
+<?mso-contentType ?>
+<FormTemplates xmlns="http://schemas.microsoft.com/sharepoint/v3/contenttype/forms">
+  <Display>DocumentLibraryForm</Display>
+  <Edit>DocumentLibraryForm</Edit>
+  <New>DocumentLibraryForm</New>
+</FormTemplates>
+</file>
+
 <file path=customXml/itemProps1.xml><?xml version="1.0" encoding="utf-8"?>
-<ds:datastoreItem xmlns:ds="http://schemas.openxmlformats.org/officeDocument/2006/customXml" ds:itemID="{9DBC1E19-A7B0-4AB7-BA15-CB3C7B9B979C}">
+<ds:datastoreItem xmlns:ds="http://schemas.openxmlformats.org/officeDocument/2006/customXml" ds:itemID="{B8D3B951-5F0F-4CAD-BCE3-FE36B81463DC}">
   <ds:schemaRefs>
-    <ds:schemaRef ds:uri="http://schemas.microsoft.com/sharepoint/v3/contenttype/forms"/>
+    <ds:schemaRef ds:uri="http://schemas.microsoft.com/office/2006/metadata/contentType"/>
+    <ds:schemaRef ds:uri="http://schemas.microsoft.com/office/2006/metadata/properties/metaAttributes"/>
+    <ds:schemaRef ds:uri="http://www.w3.org/2001/XMLSchema"/>
+    <ds:schemaRef ds:uri="http://schemas.microsoft.com/office/2006/metadata/properties"/>
+    <ds:schemaRef ds:uri="20895bc8-be02-42ca-8ca1-36e50731b469"/>
+    <ds:schemaRef ds:uri="e85ba575-3eae-4c7e-b3f1-323868c4ce13"/>
+    <ds:schemaRef ds:uri="http://schemas.microsoft.com/office/2006/documentManagement/types"/>
+    <ds:schemaRef ds:uri="http://schemas.microsoft.com/office/infopath/2007/PartnerControls"/>
+    <ds:schemaRef ds:uri="http://schemas.openxmlformats.org/package/2006/metadata/core-properties"/>
+    <ds:schemaRef ds:uri="http://purl.org/dc/elements/1.1/"/>
+    <ds:schemaRef ds:uri="http://purl.org/dc/terms/"/>
+    <ds:schemaRef ds:uri="http://schemas.microsoft.com/internal/obd"/>
   </ds:schemaRefs>
 </ds:datastoreItem>
 </file>
@@ -12664,20 +12682,9 @@
 </file>
 
 <file path=customXml/itemProps3.xml><?xml version="1.0" encoding="utf-8"?>
-<ds:datastoreItem xmlns:ds="http://schemas.openxmlformats.org/officeDocument/2006/customXml" ds:itemID="{B8D3B951-5F0F-4CAD-BCE3-FE36B81463DC}">
+<ds:datastoreItem xmlns:ds="http://schemas.openxmlformats.org/officeDocument/2006/customXml" ds:itemID="{9DBC1E19-A7B0-4AB7-BA15-CB3C7B9B979C}">
   <ds:schemaRefs>
-    <ds:schemaRef ds:uri="http://schemas.microsoft.com/office/2006/metadata/contentType"/>
-    <ds:schemaRef ds:uri="http://schemas.microsoft.com/office/2006/metadata/properties/metaAttributes"/>
-    <ds:schemaRef ds:uri="http://www.w3.org/2001/XMLSchema"/>
-    <ds:schemaRef ds:uri="http://schemas.microsoft.com/office/2006/metadata/properties"/>
-    <ds:schemaRef ds:uri="20895bc8-be02-42ca-8ca1-36e50731b469"/>
-    <ds:schemaRef ds:uri="e85ba575-3eae-4c7e-b3f1-323868c4ce13"/>
-    <ds:schemaRef ds:uri="http://schemas.microsoft.com/office/2006/documentManagement/types"/>
-    <ds:schemaRef ds:uri="http://schemas.microsoft.com/office/infopath/2007/PartnerControls"/>
-    <ds:schemaRef ds:uri="http://schemas.openxmlformats.org/package/2006/metadata/core-properties"/>
-    <ds:schemaRef ds:uri="http://purl.org/dc/elements/1.1/"/>
-    <ds:schemaRef ds:uri="http://purl.org/dc/terms/"/>
-    <ds:schemaRef ds:uri="http://schemas.microsoft.com/internal/obd"/>
+    <ds:schemaRef ds:uri="http://schemas.microsoft.com/sharepoint/v3/contenttype/forms"/>
   </ds:schemaRefs>
 </ds:datastoreItem>
 </file>